--- a/AI_File_Organizer_Presentation.pptx
+++ b/AI_File_Organizer_Presentation.pptx
@@ -3506,7 +3506,79 @@
           <a:lstStyle/>
           <a:p>
             <a:r>
-              <a:t>AI를 활용하여 데스크톱 특정 폴더에 저장된 파일을 자동으로 정리하는 시스템</a:t>
+              <a:rPr dirty="0" err="1"/>
+              <a:t>AI를</a:t>
+            </a:r>
+            <a:r>
+              <a:rPr dirty="0"/>
+              <a:t> </a:t>
+            </a:r>
+            <a:r>
+              <a:rPr dirty="0" err="1"/>
+              <a:t>활용하여</a:t>
+            </a:r>
+            <a:r>
+              <a:rPr dirty="0"/>
+              <a:t> </a:t>
+            </a:r>
+            <a:r>
+              <a:rPr dirty="0" err="1"/>
+              <a:t>데스크톱</a:t>
+            </a:r>
+            <a:r>
+              <a:rPr dirty="0"/>
+              <a:t> </a:t>
+            </a:r>
+            <a:r>
+              <a:rPr dirty="0" err="1"/>
+              <a:t>특정</a:t>
+            </a:r>
+            <a:r>
+              <a:rPr dirty="0"/>
+              <a:t> </a:t>
+            </a:r>
+            <a:r>
+              <a:rPr dirty="0" err="1"/>
+              <a:t>폴더에</a:t>
+            </a:r>
+            <a:r>
+              <a:rPr dirty="0"/>
+              <a:t> </a:t>
+            </a:r>
+            <a:r>
+              <a:rPr dirty="0" err="1"/>
+              <a:t>저장된</a:t>
+            </a:r>
+            <a:r>
+              <a:rPr dirty="0"/>
+              <a:t> </a:t>
+            </a:r>
+            <a:r>
+              <a:rPr dirty="0" err="1"/>
+              <a:t>파일을</a:t>
+            </a:r>
+            <a:r>
+              <a:rPr dirty="0"/>
+              <a:t> </a:t>
+            </a:r>
+            <a:r>
+              <a:rPr dirty="0" err="1"/>
+              <a:t>자동으로</a:t>
+            </a:r>
+            <a:r>
+              <a:rPr dirty="0"/>
+              <a:t> </a:t>
+            </a:r>
+            <a:r>
+              <a:rPr dirty="0" err="1"/>
+              <a:t>정리하는</a:t>
+            </a:r>
+            <a:r>
+              <a:rPr dirty="0"/>
+              <a:t> </a:t>
+            </a:r>
+            <a:r>
+              <a:t>시스템</a:t>
             </a:r>
           </a:p>
         </p:txBody>
@@ -3573,18 +3645,88 @@
           <a:lstStyle/>
           <a:p>
             <a:r>
-              <a:t>• 데이터 정리 시간 절약</a:t>
-            </a:r>
-          </a:p>
-          <a:p>
-            <a:r>
-              <a:t>• 파일 검색 효율성 향상</a:t>
-            </a:r>
-          </a:p>
-          <a:p>
-            <a:r>
-              <a:t>• 업무 생산성 증대</a:t>
-            </a:r>
+              <a:rPr dirty="0" err="1"/>
+              <a:t>데이터</a:t>
+            </a:r>
+            <a:r>
+              <a:rPr dirty="0"/>
+              <a:t> </a:t>
+            </a:r>
+            <a:r>
+              <a:rPr dirty="0" err="1"/>
+              <a:t>정리</a:t>
+            </a:r>
+            <a:r>
+              <a:rPr dirty="0"/>
+              <a:t> </a:t>
+            </a:r>
+            <a:r>
+              <a:rPr dirty="0" err="1"/>
+              <a:t>시간</a:t>
+            </a:r>
+            <a:r>
+              <a:rPr dirty="0"/>
+              <a:t> </a:t>
+            </a:r>
+            <a:r>
+              <a:rPr dirty="0" err="1"/>
+              <a:t>절약</a:t>
+            </a:r>
+            <a:endParaRPr dirty="0"/>
+          </a:p>
+          <a:p>
+            <a:r>
+              <a:rPr dirty="0" err="1"/>
+              <a:t>파일</a:t>
+            </a:r>
+            <a:r>
+              <a:rPr dirty="0"/>
+              <a:t> </a:t>
+            </a:r>
+            <a:r>
+              <a:rPr dirty="0" err="1"/>
+              <a:t>검색</a:t>
+            </a:r>
+            <a:r>
+              <a:rPr dirty="0"/>
+              <a:t> </a:t>
+            </a:r>
+            <a:r>
+              <a:rPr dirty="0" err="1"/>
+              <a:t>효율성</a:t>
+            </a:r>
+            <a:r>
+              <a:rPr dirty="0"/>
+              <a:t> </a:t>
+            </a:r>
+            <a:r>
+              <a:rPr dirty="0" err="1"/>
+              <a:t>향상</a:t>
+            </a:r>
+            <a:endParaRPr dirty="0"/>
+          </a:p>
+          <a:p>
+            <a:r>
+              <a:rPr dirty="0" err="1"/>
+              <a:t>업무</a:t>
+            </a:r>
+            <a:r>
+              <a:rPr dirty="0"/>
+              <a:t> </a:t>
+            </a:r>
+            <a:r>
+              <a:rPr dirty="0" err="1"/>
+              <a:t>생산성</a:t>
+            </a:r>
+            <a:r>
+              <a:rPr dirty="0"/>
+              <a:t> </a:t>
+            </a:r>
+            <a:r>
+              <a:rPr dirty="0" err="1"/>
+              <a:t>증대</a:t>
+            </a:r>
+            <a:endParaRPr dirty="0"/>
           </a:p>
         </p:txBody>
       </p:sp>
@@ -3722,18 +3864,104 @@
           <a:lstStyle/>
           <a:p>
             <a:r>
-              <a:t>• 데이터 정리 시간 단축</a:t>
-            </a:r>
-          </a:p>
-          <a:p>
-            <a:r>
-              <a:t>• 사용자의 업무 효율성 향상</a:t>
-            </a:r>
-          </a:p>
-          <a:p>
-            <a:r>
-              <a:t>• 정리된 데이터로 정보 접근성 증가</a:t>
-            </a:r>
+              <a:rPr dirty="0" err="1"/>
+              <a:t>데이터</a:t>
+            </a:r>
+            <a:r>
+              <a:rPr dirty="0"/>
+              <a:t> </a:t>
+            </a:r>
+            <a:r>
+              <a:rPr dirty="0" err="1"/>
+              <a:t>정리</a:t>
+            </a:r>
+            <a:r>
+              <a:rPr dirty="0"/>
+              <a:t> </a:t>
+            </a:r>
+            <a:r>
+              <a:rPr dirty="0" err="1"/>
+              <a:t>시간</a:t>
+            </a:r>
+            <a:r>
+              <a:rPr dirty="0"/>
+              <a:t> </a:t>
+            </a:r>
+            <a:r>
+              <a:rPr dirty="0" err="1"/>
+              <a:t>단축</a:t>
+            </a:r>
+            <a:endParaRPr dirty="0"/>
+          </a:p>
+          <a:p>
+            <a:r>
+              <a:rPr dirty="0" err="1"/>
+              <a:t>사용자의</a:t>
+            </a:r>
+            <a:r>
+              <a:rPr dirty="0"/>
+              <a:t> </a:t>
+            </a:r>
+            <a:r>
+              <a:rPr dirty="0" err="1"/>
+              <a:t>업무</a:t>
+            </a:r>
+            <a:r>
+              <a:rPr dirty="0"/>
+              <a:t> </a:t>
+            </a:r>
+            <a:r>
+              <a:rPr dirty="0" err="1"/>
+              <a:t>효율성</a:t>
+            </a:r>
+            <a:r>
+              <a:rPr dirty="0"/>
+              <a:t> </a:t>
+            </a:r>
+            <a:r>
+              <a:rPr dirty="0" err="1"/>
+              <a:t>향상</a:t>
+            </a:r>
+            <a:endParaRPr dirty="0"/>
+          </a:p>
+          <a:p>
+            <a:r>
+              <a:rPr dirty="0" err="1"/>
+              <a:t>정리된</a:t>
+            </a:r>
+            <a:r>
+              <a:rPr dirty="0"/>
+              <a:t> </a:t>
+            </a:r>
+            <a:r>
+              <a:rPr dirty="0" err="1"/>
+              <a:t>데이터로</a:t>
+            </a:r>
+            <a:r>
+              <a:rPr dirty="0"/>
+              <a:t> </a:t>
+            </a:r>
+            <a:r>
+              <a:rPr dirty="0" err="1"/>
+              <a:t>정보</a:t>
+            </a:r>
+            <a:r>
+              <a:rPr dirty="0"/>
+              <a:t> </a:t>
+            </a:r>
+            <a:r>
+              <a:rPr dirty="0" err="1"/>
+              <a:t>접근성</a:t>
+            </a:r>
+            <a:r>
+              <a:rPr dirty="0"/>
+              <a:t> </a:t>
+            </a:r>
+            <a:r>
+              <a:rPr dirty="0" err="1"/>
+              <a:t>증가</a:t>
+            </a:r>
+            <a:endParaRPr dirty="0"/>
           </a:p>
         </p:txBody>
       </p:sp>
